--- a/documents/Bachelors-Slides.pptx
+++ b/documents/Bachelors-Slides.pptx
@@ -5,10 +5,10 @@
     <p:sldMasterId id="2147483656" r:id="rId1"/>
   </p:sldMasterIdLst>
   <p:notesMasterIdLst>
-    <p:notesMasterId r:id="rId10"/>
+    <p:notesMasterId r:id="rId11"/>
   </p:notesMasterIdLst>
   <p:handoutMasterIdLst>
-    <p:handoutMasterId r:id="rId11"/>
+    <p:handoutMasterId r:id="rId12"/>
   </p:handoutMasterIdLst>
   <p:sldIdLst>
     <p:sldId id="256" r:id="rId2"/>
@@ -19,6 +19,7 @@
     <p:sldId id="261" r:id="rId7"/>
     <p:sldId id="262" r:id="rId8"/>
     <p:sldId id="265" r:id="rId9"/>
+    <p:sldId id="266" r:id="rId10"/>
   </p:sldIdLst>
   <p:sldSz cx="9144000" cy="6858000" type="screen4x3"/>
   <p:notesSz cx="6645275" cy="9928225"/>
@@ -253,7 +254,7 @@
             <a:fld id="{6157B46F-5EA3-4DD0-A62A-4A5D93D21E2D}" type="datetimeFigureOut">
               <a:rPr lang="fi-FI" smtClean="0"/>
               <a:pPr/>
-              <a:t>17.11.2019</a:t>
+              <a:t>26.11.2019</a:t>
             </a:fld>
             <a:endParaRPr lang="fi-FI"/>
           </a:p>
@@ -424,7 +425,7 @@
             <a:fld id="{37303B11-5EFE-4A3B-B7C0-4ADE873E5104}" type="datetimeFigureOut">
               <a:rPr lang="fi-FI" smtClean="0"/>
               <a:pPr/>
-              <a:t>17.11.2019</a:t>
+              <a:t>26.11.2019</a:t>
             </a:fld>
             <a:endParaRPr lang="fi-FI" dirty="0"/>
           </a:p>
@@ -4586,6 +4587,41 @@
           </a:prstGeom>
         </p:spPr>
       </p:pic>
+      <p:sp>
+        <p:nvSpPr>
+          <p:cNvPr id="4" name="TextBox 3">
+            <a:extLst>
+              <a:ext uri="{FF2B5EF4-FFF2-40B4-BE49-F238E27FC236}">
+                <a16:creationId xmlns:a16="http://schemas.microsoft.com/office/drawing/2014/main" id="{317E43B0-0FA6-7746-9F42-E43BE129B3DC}"/>
+              </a:ext>
+            </a:extLst>
+          </p:cNvPr>
+          <p:cNvSpPr txBox="1"/>
+          <p:nvPr/>
+        </p:nvSpPr>
+        <p:spPr>
+          <a:xfrm>
+            <a:off x="8560800" y="5120588"/>
+            <a:ext cx="372218" cy="276999"/>
+          </a:xfrm>
+          <a:prstGeom prst="rect">
+            <a:avLst/>
+          </a:prstGeom>
+          <a:noFill/>
+        </p:spPr>
+        <p:txBody>
+          <a:bodyPr wrap="none" rtlCol="0">
+            <a:spAutoFit/>
+          </a:bodyPr>
+          <a:lstStyle/>
+          <a:p>
+            <a:r>
+              <a:rPr lang="fi-FI" sz="1200" dirty="0"/>
+              <a:t>(1)</a:t>
+            </a:r>
+          </a:p>
+        </p:txBody>
+      </p:sp>
     </p:spTree>
     <p:extLst>
       <p:ext uri="{BB962C8B-B14F-4D97-AF65-F5344CB8AC3E}">
@@ -4809,6 +4845,41 @@
           </a:xfrm>
         </p:spPr>
       </p:pic>
+      <p:sp>
+        <p:nvSpPr>
+          <p:cNvPr id="4" name="TextBox 3">
+            <a:extLst>
+              <a:ext uri="{FF2B5EF4-FFF2-40B4-BE49-F238E27FC236}">
+                <a16:creationId xmlns:a16="http://schemas.microsoft.com/office/drawing/2014/main" id="{ED815DAE-BE8E-3E4A-B4AD-63CC51A6E128}"/>
+              </a:ext>
+            </a:extLst>
+          </p:cNvPr>
+          <p:cNvSpPr txBox="1"/>
+          <p:nvPr/>
+        </p:nvSpPr>
+        <p:spPr>
+          <a:xfrm>
+            <a:off x="8560800" y="5074532"/>
+            <a:ext cx="372218" cy="276999"/>
+          </a:xfrm>
+          <a:prstGeom prst="rect">
+            <a:avLst/>
+          </a:prstGeom>
+          <a:noFill/>
+        </p:spPr>
+        <p:txBody>
+          <a:bodyPr wrap="none" rtlCol="0">
+            <a:spAutoFit/>
+          </a:bodyPr>
+          <a:lstStyle/>
+          <a:p>
+            <a:r>
+              <a:rPr lang="fi-FI" sz="1200" dirty="0"/>
+              <a:t>(2)</a:t>
+            </a:r>
+          </a:p>
+        </p:txBody>
+      </p:sp>
     </p:spTree>
     <p:extLst>
       <p:ext uri="{BB962C8B-B14F-4D97-AF65-F5344CB8AC3E}">
@@ -5055,6 +5126,41 @@
           </a:prstGeom>
         </p:spPr>
       </p:pic>
+      <p:sp>
+        <p:nvSpPr>
+          <p:cNvPr id="4" name="TextBox 3">
+            <a:extLst>
+              <a:ext uri="{FF2B5EF4-FFF2-40B4-BE49-F238E27FC236}">
+                <a16:creationId xmlns:a16="http://schemas.microsoft.com/office/drawing/2014/main" id="{4BACBC1C-7909-7346-A9DB-06CCBD5D3482}"/>
+              </a:ext>
+            </a:extLst>
+          </p:cNvPr>
+          <p:cNvSpPr txBox="1"/>
+          <p:nvPr/>
+        </p:nvSpPr>
+        <p:spPr>
+          <a:xfrm>
+            <a:off x="8423920" y="2283671"/>
+            <a:ext cx="372218" cy="276999"/>
+          </a:xfrm>
+          <a:prstGeom prst="rect">
+            <a:avLst/>
+          </a:prstGeom>
+          <a:noFill/>
+        </p:spPr>
+        <p:txBody>
+          <a:bodyPr wrap="none" rtlCol="0">
+            <a:spAutoFit/>
+          </a:bodyPr>
+          <a:lstStyle/>
+          <a:p>
+            <a:r>
+              <a:rPr lang="fi-FI" sz="1200" dirty="0"/>
+              <a:t>(3)</a:t>
+            </a:r>
+          </a:p>
+        </p:txBody>
+      </p:sp>
     </p:spTree>
     <p:extLst>
       <p:ext uri="{BB962C8B-B14F-4D97-AF65-F5344CB8AC3E}">
@@ -6080,6 +6186,242 @@
     <p:extLst>
       <p:ext uri="{BB962C8B-B14F-4D97-AF65-F5344CB8AC3E}">
         <p14:creationId xmlns:p14="http://schemas.microsoft.com/office/powerpoint/2010/main" val="1845456743"/>
+      </p:ext>
+    </p:extLst>
+  </p:cSld>
+  <p:clrMapOvr>
+    <a:masterClrMapping/>
+  </p:clrMapOvr>
+</p:sld>
+</file>
+
+<file path=ppt/slides/slide9.xml><?xml version="1.0" encoding="utf-8"?>
+<p:sld xmlns:a="http://schemas.openxmlformats.org/drawingml/2006/main" xmlns:r="http://schemas.openxmlformats.org/officeDocument/2006/relationships" xmlns:p="http://schemas.openxmlformats.org/presentationml/2006/main">
+  <p:cSld>
+    <p:spTree>
+      <p:nvGrpSpPr>
+        <p:cNvPr id="1" name=""/>
+        <p:cNvGrpSpPr/>
+        <p:nvPr/>
+      </p:nvGrpSpPr>
+      <p:grpSpPr>
+        <a:xfrm>
+          <a:off x="0" y="0"/>
+          <a:ext cx="0" cy="0"/>
+          <a:chOff x="0" y="0"/>
+          <a:chExt cx="0" cy="0"/>
+        </a:xfrm>
+      </p:grpSpPr>
+      <p:sp>
+        <p:nvSpPr>
+          <p:cNvPr id="2" name="Title 1"/>
+          <p:cNvSpPr>
+            <a:spLocks noGrp="1"/>
+          </p:cNvSpPr>
+          <p:nvPr>
+            <p:ph type="title"/>
+          </p:nvPr>
+        </p:nvSpPr>
+        <p:spPr/>
+        <p:txBody>
+          <a:bodyPr/>
+          <a:lstStyle/>
+          <a:p>
+            <a:r>
+              <a:rPr lang="fi-FI" dirty="0"/>
+              <a:t>Image </a:t>
+            </a:r>
+            <a:r>
+              <a:rPr lang="fi-FI" dirty="0" err="1"/>
+              <a:t>sources</a:t>
+            </a:r>
+            <a:endParaRPr lang="fi-FI" dirty="0"/>
+          </a:p>
+        </p:txBody>
+      </p:sp>
+      <p:sp>
+        <p:nvSpPr>
+          <p:cNvPr id="3" name="Content Placeholder 2"/>
+          <p:cNvSpPr>
+            <a:spLocks noGrp="1"/>
+          </p:cNvSpPr>
+          <p:nvPr>
+            <p:ph sz="half" idx="1"/>
+          </p:nvPr>
+        </p:nvSpPr>
+        <p:spPr>
+          <a:xfrm>
+            <a:off x="572400" y="1584000"/>
+            <a:ext cx="7988400" cy="4136400"/>
+          </a:xfrm>
+        </p:spPr>
+        <p:txBody>
+          <a:bodyPr>
+            <a:normAutofit/>
+          </a:bodyPr>
+          <a:lstStyle/>
+          <a:p>
+            <a:pPr marL="457200" indent="-457200">
+              <a:buAutoNum type="arabicParenBoth"/>
+            </a:pPr>
+            <a:r>
+              <a:rPr lang="fi-FI" dirty="0">
+                <a:hlinkClick r:id="rId2"/>
+              </a:rPr>
+              <a:t>https://upload.wikimedia.org/wikipedia/en/e/ea/Warp_and_weft.jpg</a:t>
+            </a:r>
+            <a:endParaRPr lang="fi-FI" dirty="0">
+              <a:hlinkClick r:id="rId3"/>
+            </a:endParaRPr>
+          </a:p>
+          <a:p>
+            <a:pPr marL="457200" indent="-457200">
+              <a:buAutoNum type="arabicParenBoth"/>
+            </a:pPr>
+            <a:r>
+              <a:rPr lang="fi-FI" dirty="0">
+                <a:hlinkClick r:id="rId3"/>
+              </a:rPr>
+              <a:t>https://www.textilmidstod.is/static/files/Myndir/Facilities/TC2</a:t>
+            </a:r>
+            <a:endParaRPr lang="fi-FI" dirty="0">
+              <a:hlinkClick r:id="rId4"/>
+            </a:endParaRPr>
+          </a:p>
+          <a:p>
+            <a:pPr marL="457200" indent="-457200">
+              <a:buAutoNum type="arabicParenBoth"/>
+            </a:pPr>
+            <a:r>
+              <a:rPr lang="fi-FI" dirty="0">
+                <a:hlinkClick r:id="rId4"/>
+              </a:rPr>
+              <a:t>http://www.adetexs.com/images/2nd.png</a:t>
+            </a:r>
+            <a:endParaRPr lang="fi-FI" dirty="0"/>
+          </a:p>
+          <a:p>
+            <a:pPr marL="457200" indent="-457200">
+              <a:buAutoNum type="arabicParenBoth"/>
+            </a:pPr>
+            <a:r>
+              <a:rPr lang="fi-FI" dirty="0">
+                <a:hlinkClick r:id="rId5"/>
+              </a:rPr>
+              <a:t>https://cmsassets.mybluprint.com/dims4/default/2684703/2147483647/strip/true/crop/576x344+12+0/resize/1440x860!/quality/90/?url=https%3A%2F%2Fcmsassets.mybluprint.com%2Fdc%2F00%2F0a7c6c08f4d6803be8188e2c4306%2Fcally-booker-double-weave-pockets.jpg</a:t>
+            </a:r>
+            <a:endParaRPr lang="fi-FI" dirty="0"/>
+          </a:p>
+          <a:p>
+            <a:pPr marL="457200" indent="-457200">
+              <a:buAutoNum type="arabicParenBoth"/>
+            </a:pPr>
+            <a:r>
+              <a:rPr lang="fi-FI" dirty="0">
+                <a:hlinkClick r:id="rId6"/>
+              </a:rPr>
+              <a:t>https://upload.wikimedia.org/wikipedia/commons/a/af/Adobe_Photoshop_CC_icon.svg</a:t>
+            </a:r>
+            <a:endParaRPr lang="fi-FI" dirty="0"/>
+          </a:p>
+          <a:p>
+            <a:pPr marL="457200" indent="-457200">
+              <a:buAutoNum type="arabicParenBoth"/>
+            </a:pPr>
+            <a:endParaRPr lang="fi-FI" dirty="0"/>
+          </a:p>
+          <a:p>
+            <a:pPr marL="457200" indent="-457200">
+              <a:buAutoNum type="arabicParenBoth"/>
+            </a:pPr>
+            <a:endParaRPr lang="fi-FI" dirty="0"/>
+          </a:p>
+          <a:p>
+            <a:pPr marL="457200" indent="-457200">
+              <a:buAutoNum type="arabicParenBoth"/>
+            </a:pPr>
+            <a:endParaRPr lang="fi-FI" dirty="0"/>
+          </a:p>
+        </p:txBody>
+      </p:sp>
+      <p:sp>
+        <p:nvSpPr>
+          <p:cNvPr id="5" name="Footer Placeholder 4"/>
+          <p:cNvSpPr>
+            <a:spLocks noGrp="1"/>
+          </p:cNvSpPr>
+          <p:nvPr>
+            <p:ph type="ftr" sz="quarter" idx="11"/>
+          </p:nvPr>
+        </p:nvSpPr>
+        <p:spPr/>
+        <p:txBody>
+          <a:bodyPr/>
+          <a:lstStyle/>
+          <a:p>
+            <a:r>
+              <a:rPr lang="fi-FI" dirty="0"/>
+              <a:t>A Web Application for E-</a:t>
+            </a:r>
+            <a:r>
+              <a:rPr lang="fi-FI" dirty="0" err="1"/>
+              <a:t>Textiles</a:t>
+            </a:r>
+            <a:r>
+              <a:rPr lang="fi-FI" dirty="0"/>
+              <a:t> Design</a:t>
+            </a:r>
+          </a:p>
+          <a:p>
+            <a:endParaRPr lang="fi-FI" dirty="0"/>
+          </a:p>
+        </p:txBody>
+      </p:sp>
+      <p:sp>
+        <p:nvSpPr>
+          <p:cNvPr id="6" name="Text Placeholder 5"/>
+          <p:cNvSpPr>
+            <a:spLocks noGrp="1"/>
+          </p:cNvSpPr>
+          <p:nvPr>
+            <p:ph type="body" sz="quarter" idx="13"/>
+          </p:nvPr>
+        </p:nvSpPr>
+        <p:spPr/>
+        <p:txBody>
+          <a:bodyPr/>
+          <a:lstStyle/>
+          <a:p>
+            <a:endParaRPr lang="fi-FI" dirty="0"/>
+          </a:p>
+        </p:txBody>
+      </p:sp>
+      <p:sp>
+        <p:nvSpPr>
+          <p:cNvPr id="7" name="Text Placeholder 6"/>
+          <p:cNvSpPr>
+            <a:spLocks noGrp="1"/>
+          </p:cNvSpPr>
+          <p:nvPr>
+            <p:ph type="body" sz="quarter" idx="14"/>
+          </p:nvPr>
+        </p:nvSpPr>
+        <p:spPr/>
+        <p:txBody>
+          <a:bodyPr/>
+          <a:lstStyle/>
+          <a:p>
+            <a:r>
+              <a:rPr lang="fi-FI" dirty="0"/>
+              <a:t>8 / 8</a:t>
+            </a:r>
+          </a:p>
+        </p:txBody>
+      </p:sp>
+    </p:spTree>
+    <p:extLst>
+      <p:ext uri="{BB962C8B-B14F-4D97-AF65-F5344CB8AC3E}">
+        <p14:creationId xmlns:p14="http://schemas.microsoft.com/office/powerpoint/2010/main" val="3787109564"/>
       </p:ext>
     </p:extLst>
   </p:cSld>

--- a/documents/Bachelors-Slides.pptx
+++ b/documents/Bachelors-Slides.pptx
@@ -254,7 +254,7 @@
             <a:fld id="{6157B46F-5EA3-4DD0-A62A-4A5D93D21E2D}" type="datetimeFigureOut">
               <a:rPr lang="fi-FI" smtClean="0"/>
               <a:pPr/>
-              <a:t>26.11.2019</a:t>
+              <a:t>1.12.2019</a:t>
             </a:fld>
             <a:endParaRPr lang="fi-FI"/>
           </a:p>
@@ -425,7 +425,7 @@
             <a:fld id="{37303B11-5EFE-4A3B-B7C0-4ADE873E5104}" type="datetimeFigureOut">
               <a:rPr lang="fi-FI" smtClean="0"/>
               <a:pPr/>
-              <a:t>26.11.2019</a:t>
+              <a:t>1.12.2019</a:t>
             </a:fld>
             <a:endParaRPr lang="fi-FI" dirty="0"/>
           </a:p>
@@ -4234,7 +4234,7 @@
           <a:p>
             <a:r>
               <a:rPr lang="fi-FI" dirty="0"/>
-              <a:t>Sivumäärä 8</a:t>
+              <a:t>Sivumäärä 9</a:t>
             </a:r>
           </a:p>
           <a:p>
@@ -4358,10 +4358,9 @@
           <a:lstStyle/>
           <a:p>
             <a:r>
-              <a:rPr lang="fi-FI" dirty="0" err="1"/>
+              <a:rPr lang="en-US"/>
               <a:t>Weaving</a:t>
             </a:r>
-            <a:endParaRPr lang="fi-FI" dirty="0"/>
           </a:p>
         </p:txBody>
       </p:sp>
@@ -4375,70 +4374,47 @@
             <p:ph sz="half" idx="1"/>
           </p:nvPr>
         </p:nvSpPr>
-        <p:spPr/>
+        <p:spPr>
+          <a:xfrm>
+            <a:off x="572400" y="1584000"/>
+            <a:ext cx="5771440" cy="4136400"/>
+          </a:xfrm>
+        </p:spPr>
         <p:txBody>
           <a:bodyPr/>
           <a:lstStyle/>
           <a:p>
             <a:r>
-              <a:rPr lang="fi-FI" dirty="0"/>
-              <a:t>Basic </a:t>
-            </a:r>
-            <a:r>
-              <a:rPr lang="fi-FI" dirty="0" err="1"/>
-              <a:t>methods</a:t>
-            </a:r>
-            <a:endParaRPr lang="fi-FI" dirty="0"/>
+              <a:rPr lang="en-US"/>
+              <a:t>Interlacing perpendicular yarns</a:t>
+            </a:r>
           </a:p>
           <a:p>
             <a:pPr lvl="1"/>
             <a:r>
-              <a:rPr lang="fi-FI" dirty="0" err="1"/>
-              <a:t>Warps</a:t>
-            </a:r>
-            <a:r>
-              <a:rPr lang="fi-FI" dirty="0"/>
-              <a:t> and </a:t>
-            </a:r>
-            <a:r>
-              <a:rPr lang="fi-FI" dirty="0" err="1"/>
-              <a:t>wefts</a:t>
-            </a:r>
-            <a:endParaRPr lang="fi-FI" dirty="0"/>
-          </a:p>
-          <a:p>
-            <a:r>
-              <a:rPr lang="fi-FI" dirty="0" err="1"/>
-              <a:t>Looms</a:t>
-            </a:r>
-            <a:endParaRPr lang="fi-FI" dirty="0"/>
+              <a:rPr lang="en-US"/>
+              <a:t>Warps and wefts (suom. loimi- ja kudelanka)</a:t>
+            </a:r>
+          </a:p>
+          <a:p>
+            <a:r>
+              <a:rPr lang="en-US"/>
+              <a:t>Looms (suom. kangaspuut)</a:t>
+            </a:r>
           </a:p>
           <a:p>
             <a:pPr lvl="1"/>
             <a:r>
-              <a:rPr lang="fi-FI" dirty="0"/>
+              <a:rPr lang="en-US"/>
               <a:t>Jacquard</a:t>
             </a:r>
           </a:p>
           <a:p>
             <a:pPr lvl="1"/>
             <a:r>
-              <a:rPr lang="fi-FI" dirty="0"/>
-              <a:t>TC2 </a:t>
-            </a:r>
-            <a:r>
-              <a:rPr lang="fi-FI" dirty="0" err="1"/>
-              <a:t>power</a:t>
-            </a:r>
-            <a:r>
-              <a:rPr lang="fi-FI" dirty="0"/>
-              <a:t> </a:t>
-            </a:r>
-            <a:r>
-              <a:rPr lang="fi-FI" dirty="0" err="1"/>
-              <a:t>loom</a:t>
-            </a:r>
-            <a:endParaRPr lang="fi-FI" dirty="0"/>
+              <a:rPr lang="en-US"/>
+              <a:t>TC2 power loom</a:t>
+            </a:r>
           </a:p>
         </p:txBody>
       </p:sp>
@@ -4493,20 +4469,12 @@
           <a:lstStyle/>
           <a:p>
             <a:r>
-              <a:rPr lang="fi-FI" dirty="0"/>
-              <a:t>A Web Application for E-</a:t>
-            </a:r>
-            <a:r>
-              <a:rPr lang="fi-FI" dirty="0" err="1"/>
-              <a:t>Textiles</a:t>
-            </a:r>
-            <a:r>
-              <a:rPr lang="fi-FI" dirty="0"/>
-              <a:t> Design</a:t>
-            </a:r>
-          </a:p>
-          <a:p>
-            <a:endParaRPr lang="fi-FI" dirty="0"/>
+              <a:rPr lang="en-US"/>
+              <a:t>A Web Application for E-Textiles Design</a:t>
+            </a:r>
+          </a:p>
+          <a:p>
+            <a:endParaRPr lang="en-US"/>
           </a:p>
         </p:txBody>
       </p:sp>
@@ -4525,7 +4493,7 @@
           <a:bodyPr/>
           <a:lstStyle/>
           <a:p>
-            <a:endParaRPr lang="fi-FI" dirty="0"/>
+            <a:endParaRPr lang="en-US"/>
           </a:p>
         </p:txBody>
       </p:sp>
@@ -4545,8 +4513,8 @@
           <a:lstStyle/>
           <a:p>
             <a:r>
-              <a:rPr lang="fi-FI" dirty="0"/>
-              <a:t>2 / 8</a:t>
+              <a:rPr lang="en-US" dirty="0"/>
+              <a:t>2 / 9</a:t>
             </a:r>
           </a:p>
         </p:txBody>
@@ -4616,7 +4584,42 @@
           <a:lstStyle/>
           <a:p>
             <a:r>
-              <a:rPr lang="fi-FI" sz="1200" dirty="0"/>
+              <a:rPr lang="en-US" sz="1200" dirty="0"/>
+              <a:t>(2)</a:t>
+            </a:r>
+          </a:p>
+        </p:txBody>
+      </p:sp>
+      <p:sp>
+        <p:nvSpPr>
+          <p:cNvPr id="8" name="TextBox 7">
+            <a:extLst>
+              <a:ext uri="{FF2B5EF4-FFF2-40B4-BE49-F238E27FC236}">
+                <a16:creationId xmlns:a16="http://schemas.microsoft.com/office/drawing/2014/main" id="{7178EF7E-DC1C-9B49-8F69-3F3B741EB488}"/>
+              </a:ext>
+            </a:extLst>
+          </p:cNvPr>
+          <p:cNvSpPr txBox="1"/>
+          <p:nvPr/>
+        </p:nvSpPr>
+        <p:spPr>
+          <a:xfrm>
+            <a:off x="8374691" y="2368149"/>
+            <a:ext cx="372218" cy="276999"/>
+          </a:xfrm>
+          <a:prstGeom prst="rect">
+            <a:avLst/>
+          </a:prstGeom>
+          <a:noFill/>
+        </p:spPr>
+        <p:txBody>
+          <a:bodyPr wrap="none" rtlCol="0">
+            <a:spAutoFit/>
+          </a:bodyPr>
+          <a:lstStyle/>
+          <a:p>
+            <a:r>
+              <a:rPr lang="en-US" sz="1200" dirty="0"/>
               <a:t>(1)</a:t>
             </a:r>
           </a:p>
@@ -4668,14 +4671,9 @@
           <a:lstStyle/>
           <a:p>
             <a:r>
-              <a:rPr lang="fi-FI" dirty="0"/>
-              <a:t>E-</a:t>
-            </a:r>
-            <a:r>
-              <a:rPr lang="fi-FI" dirty="0" err="1"/>
-              <a:t>textiles</a:t>
-            </a:r>
-            <a:endParaRPr lang="fi-FI" dirty="0"/>
+              <a:rPr lang="en-US"/>
+              <a:t>E-textiles</a:t>
+            </a:r>
           </a:p>
         </p:txBody>
       </p:sp>
@@ -4689,50 +4687,51 @@
             <p:ph sz="half" idx="1"/>
           </p:nvPr>
         </p:nvSpPr>
-        <p:spPr/>
+        <p:spPr>
+          <a:xfrm>
+            <a:off x="572400" y="1584000"/>
+            <a:ext cx="6303856" cy="4136400"/>
+          </a:xfrm>
+        </p:spPr>
         <p:txBody>
           <a:bodyPr/>
           <a:lstStyle/>
           <a:p>
             <a:r>
-              <a:rPr lang="fi-FI" dirty="0" err="1"/>
-              <a:t>Conducting</a:t>
-            </a:r>
-            <a:r>
-              <a:rPr lang="fi-FI" dirty="0"/>
-              <a:t> </a:t>
-            </a:r>
-            <a:r>
-              <a:rPr lang="fi-FI" dirty="0" err="1"/>
-              <a:t>threads</a:t>
-            </a:r>
-            <a:endParaRPr lang="fi-FI" dirty="0"/>
-          </a:p>
-          <a:p>
-            <a:r>
-              <a:rPr lang="fi-FI" dirty="0"/>
+              <a:rPr lang="en-US" dirty="0"/>
+              <a:t>Conducting materials woven into fabrics</a:t>
+            </a:r>
+          </a:p>
+          <a:p>
+            <a:r>
+              <a:rPr lang="en-US" dirty="0"/>
               <a:t>Components</a:t>
             </a:r>
           </a:p>
           <a:p>
             <a:pPr lvl="1"/>
             <a:r>
-              <a:rPr lang="fi-FI" dirty="0" err="1"/>
+              <a:rPr lang="en-US" dirty="0"/>
+              <a:t>Threads</a:t>
+            </a:r>
+          </a:p>
+          <a:p>
+            <a:pPr lvl="1"/>
+            <a:r>
+              <a:rPr lang="en-US" dirty="0"/>
               <a:t>Sensors</a:t>
             </a:r>
-            <a:endParaRPr lang="fi-FI" dirty="0"/>
           </a:p>
           <a:p>
             <a:pPr lvl="1"/>
             <a:r>
-              <a:rPr lang="fi-FI" dirty="0" err="1"/>
+              <a:rPr lang="en-US" dirty="0"/>
               <a:t>Lights</a:t>
             </a:r>
-            <a:endParaRPr lang="fi-FI" dirty="0"/>
           </a:p>
           <a:p>
             <a:pPr lvl="1"/>
-            <a:endParaRPr lang="fi-FI" dirty="0"/>
+            <a:endParaRPr lang="en-US" dirty="0"/>
           </a:p>
         </p:txBody>
       </p:sp>
@@ -4752,20 +4751,12 @@
           <a:lstStyle/>
           <a:p>
             <a:r>
-              <a:rPr lang="fi-FI" dirty="0"/>
-              <a:t>A Web Application for E-</a:t>
-            </a:r>
-            <a:r>
-              <a:rPr lang="fi-FI" dirty="0" err="1"/>
-              <a:t>Textiles</a:t>
-            </a:r>
-            <a:r>
-              <a:rPr lang="fi-FI" dirty="0"/>
-              <a:t> Design</a:t>
-            </a:r>
-          </a:p>
-          <a:p>
-            <a:endParaRPr lang="fi-FI" dirty="0"/>
+              <a:rPr lang="en-US"/>
+              <a:t>A Web Application for E-Textiles Design</a:t>
+            </a:r>
+          </a:p>
+          <a:p>
+            <a:endParaRPr lang="en-US"/>
           </a:p>
         </p:txBody>
       </p:sp>
@@ -4784,7 +4775,7 @@
           <a:bodyPr/>
           <a:lstStyle/>
           <a:p>
-            <a:endParaRPr lang="fi-FI" dirty="0"/>
+            <a:endParaRPr lang="en-US"/>
           </a:p>
         </p:txBody>
       </p:sp>
@@ -4804,8 +4795,8 @@
           <a:lstStyle/>
           <a:p>
             <a:r>
-              <a:rPr lang="fi-FI" dirty="0"/>
-              <a:t>3 / 8</a:t>
+              <a:rPr lang="en-US" dirty="0"/>
+              <a:t>3 / 9</a:t>
             </a:r>
           </a:p>
         </p:txBody>
@@ -4874,8 +4865,8 @@
           <a:lstStyle/>
           <a:p>
             <a:r>
-              <a:rPr lang="fi-FI" sz="1200" dirty="0"/>
-              <a:t>(2)</a:t>
+              <a:rPr lang="en-US" sz="1200" dirty="0"/>
+              <a:t>(3)</a:t>
             </a:r>
           </a:p>
         </p:txBody>
@@ -4926,18 +4917,9 @@
           <a:lstStyle/>
           <a:p>
             <a:r>
-              <a:rPr lang="fi-FI" dirty="0" err="1"/>
-              <a:t>Multilayered</a:t>
-            </a:r>
-            <a:r>
-              <a:rPr lang="fi-FI" dirty="0"/>
-              <a:t> </a:t>
-            </a:r>
-            <a:r>
-              <a:rPr lang="fi-FI" dirty="0" err="1"/>
-              <a:t>weaving</a:t>
-            </a:r>
-            <a:endParaRPr lang="fi-FI" dirty="0"/>
+              <a:rPr lang="en-US"/>
+              <a:t>Multilayered weaving</a:t>
+            </a:r>
           </a:p>
         </p:txBody>
       </p:sp>
@@ -4951,32 +4933,25 @@
             <p:ph sz="half" idx="1"/>
           </p:nvPr>
         </p:nvSpPr>
-        <p:spPr/>
+        <p:spPr>
+          <a:xfrm>
+            <a:off x="572400" y="1584000"/>
+            <a:ext cx="4726816" cy="4136400"/>
+          </a:xfrm>
+        </p:spPr>
         <p:txBody>
           <a:bodyPr/>
           <a:lstStyle/>
           <a:p>
             <a:r>
-              <a:rPr lang="fi-FI" dirty="0" err="1"/>
-              <a:t>Hiding</a:t>
-            </a:r>
-            <a:r>
-              <a:rPr lang="fi-FI" dirty="0"/>
-              <a:t> </a:t>
-            </a:r>
-            <a:r>
-              <a:rPr lang="fi-FI" dirty="0" err="1"/>
-              <a:t>conductors</a:t>
-            </a:r>
-            <a:r>
-              <a:rPr lang="fi-FI" dirty="0"/>
-              <a:t> inside</a:t>
-            </a:r>
-          </a:p>
-          <a:p>
-            <a:r>
-              <a:rPr lang="fi-FI" dirty="0"/>
-              <a:t>Conversion</a:t>
+              <a:rPr lang="en-US" dirty="0"/>
+              <a:t>Hiding conductors inside</a:t>
+            </a:r>
+          </a:p>
+          <a:p>
+            <a:r>
+              <a:rPr lang="en-US" dirty="0"/>
+              <a:t>Conversion to multilayered weaving</a:t>
             </a:r>
           </a:p>
         </p:txBody>
@@ -5011,7 +4986,7 @@
         </p:blipFill>
         <p:spPr>
           <a:xfrm>
-            <a:off x="3779912" y="2849241"/>
+            <a:off x="438595" y="2996734"/>
             <a:ext cx="4994426" cy="2497213"/>
           </a:xfrm>
         </p:spPr>
@@ -5032,20 +5007,12 @@
           <a:lstStyle/>
           <a:p>
             <a:r>
-              <a:rPr lang="fi-FI" dirty="0"/>
-              <a:t>A Web Application for E-</a:t>
-            </a:r>
-            <a:r>
-              <a:rPr lang="fi-FI" dirty="0" err="1"/>
-              <a:t>Textiles</a:t>
-            </a:r>
-            <a:r>
-              <a:rPr lang="fi-FI" dirty="0"/>
-              <a:t> Design</a:t>
-            </a:r>
-          </a:p>
-          <a:p>
-            <a:endParaRPr lang="fi-FI" dirty="0"/>
+              <a:rPr lang="en-US"/>
+              <a:t>A Web Application for E-Textiles Design</a:t>
+            </a:r>
+          </a:p>
+          <a:p>
+            <a:endParaRPr lang="en-US"/>
           </a:p>
         </p:txBody>
       </p:sp>
@@ -5064,7 +5031,7 @@
           <a:bodyPr/>
           <a:lstStyle/>
           <a:p>
-            <a:endParaRPr lang="fi-FI" dirty="0"/>
+            <a:endParaRPr lang="en-US"/>
           </a:p>
         </p:txBody>
       </p:sp>
@@ -5084,8 +5051,8 @@
           <a:lstStyle/>
           <a:p>
             <a:r>
-              <a:rPr lang="fi-FI" dirty="0"/>
-              <a:t>4 / 8</a:t>
+              <a:rPr lang="en-US" dirty="0"/>
+              <a:t>4 / 9</a:t>
             </a:r>
           </a:p>
         </p:txBody>
@@ -5155,12 +5122,48 @@
           <a:lstStyle/>
           <a:p>
             <a:r>
-              <a:rPr lang="fi-FI" sz="1200" dirty="0"/>
-              <a:t>(3)</a:t>
-            </a:r>
-          </a:p>
-        </p:txBody>
-      </p:sp>
+              <a:rPr lang="en-US" sz="1200" dirty="0"/>
+              <a:t>(4)</a:t>
+            </a:r>
+          </a:p>
+        </p:txBody>
+      </p:sp>
+      <p:pic>
+        <p:nvPicPr>
+          <p:cNvPr id="10" name="Picture 9" descr="A picture containing animal&#10;&#10;Description automatically generated">
+            <a:extLst>
+              <a:ext uri="{FF2B5EF4-FFF2-40B4-BE49-F238E27FC236}">
+                <a16:creationId xmlns:a16="http://schemas.microsoft.com/office/drawing/2014/main" id="{8B8451CA-7887-6542-9A78-05ECD7A530A9}"/>
+              </a:ext>
+            </a:extLst>
+          </p:cNvPr>
+          <p:cNvPicPr>
+            <a:picLocks noChangeAspect="1"/>
+          </p:cNvPicPr>
+          <p:nvPr/>
+        </p:nvPicPr>
+        <p:blipFill>
+          <a:blip r:embed="rId5">
+            <a:extLst>
+              <a:ext uri="{28A0092B-C50C-407E-A947-70E740481C1C}">
+                <a14:useLocalDpi xmlns:a14="http://schemas.microsoft.com/office/drawing/2010/main" val="0"/>
+              </a:ext>
+            </a:extLst>
+          </a:blip>
+          <a:stretch>
+            <a:fillRect/>
+          </a:stretch>
+        </p:blipFill>
+        <p:spPr>
+          <a:xfrm>
+            <a:off x="5299216" y="3005574"/>
+            <a:ext cx="3527035" cy="2277492"/>
+          </a:xfrm>
+          <a:prstGeom prst="rect">
+            <a:avLst/>
+          </a:prstGeom>
+        </p:spPr>
+      </p:pic>
     </p:spTree>
     <p:extLst>
       <p:ext uri="{BB962C8B-B14F-4D97-AF65-F5344CB8AC3E}">
@@ -5260,11 +5263,20 @@
           <a:p>
             <a:r>
               <a:rPr lang="fi-FI" dirty="0" err="1"/>
-              <a:t>Complexity</a:t>
-            </a:r>
-            <a:endParaRPr lang="fi-FI" dirty="0"/>
-          </a:p>
-          <a:p>
+              <a:t>Complications</a:t>
+            </a:r>
+            <a:endParaRPr lang="fi-FI" dirty="0"/>
+          </a:p>
+          <a:p>
+            <a:pPr lvl="1"/>
+            <a:r>
+              <a:rPr lang="fi-FI" dirty="0" err="1"/>
+              <a:t>Complex</a:t>
+            </a:r>
+            <a:endParaRPr lang="fi-FI" dirty="0"/>
+          </a:p>
+          <a:p>
+            <a:pPr lvl="1"/>
             <a:r>
               <a:rPr lang="fi-FI" dirty="0" err="1"/>
               <a:t>Prone</a:t>
@@ -5385,7 +5397,7 @@
           <a:p>
             <a:r>
               <a:rPr lang="fi-FI" dirty="0"/>
-              <a:t>5 / 8</a:t>
+              <a:t>5 / 9</a:t>
             </a:r>
           </a:p>
         </p:txBody>
@@ -5426,6 +5438,41 @@
           </a:prstGeom>
         </p:spPr>
       </p:pic>
+      <p:sp>
+        <p:nvSpPr>
+          <p:cNvPr id="4" name="TextBox 3">
+            <a:extLst>
+              <a:ext uri="{FF2B5EF4-FFF2-40B4-BE49-F238E27FC236}">
+                <a16:creationId xmlns:a16="http://schemas.microsoft.com/office/drawing/2014/main" id="{A72AF630-5BB2-7540-99EA-286954F592DC}"/>
+              </a:ext>
+            </a:extLst>
+          </p:cNvPr>
+          <p:cNvSpPr txBox="1"/>
+          <p:nvPr/>
+        </p:nvSpPr>
+        <p:spPr>
+          <a:xfrm>
+            <a:off x="4927527" y="5236296"/>
+            <a:ext cx="372218" cy="276999"/>
+          </a:xfrm>
+          <a:prstGeom prst="rect">
+            <a:avLst/>
+          </a:prstGeom>
+          <a:noFill/>
+        </p:spPr>
+        <p:txBody>
+          <a:bodyPr wrap="none" rtlCol="0">
+            <a:spAutoFit/>
+          </a:bodyPr>
+          <a:lstStyle/>
+          <a:p>
+            <a:r>
+              <a:rPr lang="en-US" sz="1200" dirty="0"/>
+              <a:t>(5)</a:t>
+            </a:r>
+          </a:p>
+        </p:txBody>
+      </p:sp>
     </p:spTree>
     <p:extLst>
       <p:ext uri="{BB962C8B-B14F-4D97-AF65-F5344CB8AC3E}">
@@ -5497,13 +5544,26 @@
             <p:ph sz="half" idx="1"/>
           </p:nvPr>
         </p:nvSpPr>
-        <p:spPr/>
+        <p:spPr>
+          <a:xfrm>
+            <a:off x="572400" y="1584000"/>
+            <a:ext cx="6159840" cy="4136400"/>
+          </a:xfrm>
+        </p:spPr>
         <p:txBody>
           <a:bodyPr/>
           <a:lstStyle/>
           <a:p>
             <a:r>
               <a:rPr lang="fi-FI" dirty="0" err="1"/>
+              <a:t>Features</a:t>
+            </a:r>
+            <a:endParaRPr lang="fi-FI" dirty="0"/>
+          </a:p>
+          <a:p>
+            <a:pPr lvl="1"/>
+            <a:r>
+              <a:rPr lang="fi-FI" dirty="0" err="1"/>
               <a:t>Simple</a:t>
             </a:r>
             <a:r>
@@ -5517,6 +5577,7 @@
             <a:endParaRPr lang="fi-FI" dirty="0"/>
           </a:p>
           <a:p>
+            <a:pPr lvl="1"/>
             <a:r>
               <a:rPr lang="fi-FI" dirty="0"/>
               <a:t>3D </a:t>
@@ -5592,6 +5653,22 @@
               <a:rPr lang="fi-FI" dirty="0" err="1"/>
               <a:t>functionality</a:t>
             </a:r>
+            <a:r>
+              <a:rPr lang="fi-FI" dirty="0"/>
+              <a:t> to </a:t>
+            </a:r>
+            <a:r>
+              <a:rPr lang="fi-FI" dirty="0" err="1"/>
+              <a:t>standalone</a:t>
+            </a:r>
+            <a:r>
+              <a:rPr lang="fi-FI" dirty="0"/>
+              <a:t> </a:t>
+            </a:r>
+            <a:r>
+              <a:rPr lang="fi-FI" dirty="0" err="1"/>
+              <a:t>application</a:t>
+            </a:r>
             <a:endParaRPr lang="fi-FI" dirty="0"/>
           </a:p>
           <a:p>
@@ -5599,21 +5676,21 @@
               <a:rPr lang="fi-FI" dirty="0" err="1"/>
               <a:t>WebGL</a:t>
             </a:r>
-            <a:r>
-              <a:rPr lang="fi-FI" dirty="0"/>
-              <a:t> </a:t>
-            </a:r>
-            <a:r>
-              <a:rPr lang="fi-FI" dirty="0" err="1"/>
-              <a:t>lifts</a:t>
-            </a:r>
-            <a:r>
-              <a:rPr lang="fi-FI" dirty="0"/>
-              <a:t> </a:t>
-            </a:r>
-            <a:r>
-              <a:rPr lang="fi-FI" dirty="0" err="1"/>
-              <a:t>burden</a:t>
+            <a:endParaRPr lang="fi-FI" dirty="0"/>
+          </a:p>
+          <a:p>
+            <a:pPr lvl="1"/>
+            <a:r>
+              <a:rPr lang="fi-FI" dirty="0" err="1"/>
+              <a:t>Removes</a:t>
+            </a:r>
+            <a:r>
+              <a:rPr lang="fi-FI" dirty="0"/>
+              <a:t> heavy </a:t>
+            </a:r>
+            <a:r>
+              <a:rPr lang="fi-FI" dirty="0" err="1"/>
+              <a:t>calculation</a:t>
             </a:r>
             <a:r>
               <a:rPr lang="fi-FI" dirty="0"/>
@@ -5629,7 +5706,47 @@
             </a:r>
             <a:r>
               <a:rPr lang="fi-FI" dirty="0" err="1"/>
-              <a:t>server</a:t>
+              <a:t>serverside</a:t>
+            </a:r>
+            <a:endParaRPr lang="fi-FI" dirty="0"/>
+          </a:p>
+          <a:p>
+            <a:pPr lvl="1"/>
+            <a:r>
+              <a:rPr lang="fi-FI" dirty="0" err="1"/>
+              <a:t>Supported</a:t>
+            </a:r>
+            <a:r>
+              <a:rPr lang="fi-FI" dirty="0"/>
+              <a:t> </a:t>
+            </a:r>
+            <a:r>
+              <a:rPr lang="fi-FI" dirty="0" err="1"/>
+              <a:t>by</a:t>
+            </a:r>
+            <a:r>
+              <a:rPr lang="fi-FI" dirty="0"/>
+              <a:t> </a:t>
+            </a:r>
+            <a:r>
+              <a:rPr lang="fi-FI" dirty="0" err="1"/>
+              <a:t>most</a:t>
+            </a:r>
+            <a:r>
+              <a:rPr lang="fi-FI" dirty="0"/>
+              <a:t> </a:t>
+            </a:r>
+            <a:r>
+              <a:rPr lang="fi-FI" dirty="0" err="1"/>
+              <a:t>modern</a:t>
+            </a:r>
+            <a:r>
+              <a:rPr lang="fi-FI" dirty="0"/>
+              <a:t> </a:t>
+            </a:r>
+            <a:r>
+              <a:rPr lang="fi-FI" dirty="0" err="1"/>
+              <a:t>browsers</a:t>
             </a:r>
             <a:endParaRPr lang="fi-FI" dirty="0"/>
           </a:p>
@@ -5665,8 +5782,8 @@
         </p:blipFill>
         <p:spPr>
           <a:xfrm>
-            <a:off x="4283968" y="563005"/>
-            <a:ext cx="4276832" cy="2091686"/>
+            <a:off x="4067944" y="764704"/>
+            <a:ext cx="4682180" cy="2289931"/>
           </a:xfrm>
         </p:spPr>
       </p:pic>
@@ -5739,7 +5856,7 @@
           <a:p>
             <a:r>
               <a:rPr lang="fi-FI" dirty="0"/>
-              <a:t>6 / 8</a:t>
+              <a:t>6 / 9</a:t>
             </a:r>
           </a:p>
         </p:txBody>
@@ -5807,7 +5924,12 @@
             <p:ph sz="half" idx="1"/>
           </p:nvPr>
         </p:nvSpPr>
-        <p:spPr/>
+        <p:spPr>
+          <a:xfrm>
+            <a:off x="572400" y="1584000"/>
+            <a:ext cx="6663896" cy="4136400"/>
+          </a:xfrm>
+        </p:spPr>
         <p:txBody>
           <a:bodyPr/>
           <a:lstStyle/>
@@ -5830,14 +5952,26 @@
             </a:r>
             <a:r>
               <a:rPr lang="fi-FI" dirty="0" err="1"/>
+              <a:t>have</a:t>
+            </a:r>
+            <a:r>
+              <a:rPr lang="fi-FI" dirty="0"/>
+              <a:t> </a:t>
+            </a:r>
+            <a:r>
+              <a:rPr lang="fi-FI" dirty="0" err="1"/>
               <a:t>stagnated</a:t>
             </a:r>
             <a:endParaRPr lang="fi-FI" dirty="0"/>
           </a:p>
           <a:p>
             <a:r>
-              <a:rPr lang="fi-FI" dirty="0" err="1"/>
-              <a:t>Need</a:t>
+              <a:rPr lang="fi-FI" dirty="0"/>
+              <a:t>A </a:t>
+            </a:r>
+            <a:r>
+              <a:rPr lang="fi-FI" dirty="0" err="1"/>
+              <a:t>need</a:t>
             </a:r>
             <a:r>
               <a:rPr lang="fi-FI" dirty="0"/>
@@ -5864,6 +5998,52 @@
               <a:t>tools</a:t>
             </a:r>
             <a:endParaRPr lang="fi-FI" dirty="0"/>
+          </a:p>
+          <a:p>
+            <a:r>
+              <a:rPr lang="fi-FI" dirty="0" err="1"/>
+              <a:t>Solution</a:t>
+            </a:r>
+            <a:endParaRPr lang="fi-FI" dirty="0"/>
+          </a:p>
+          <a:p>
+            <a:pPr lvl="1"/>
+            <a:r>
+              <a:rPr lang="fi-FI" dirty="0"/>
+              <a:t>Application </a:t>
+            </a:r>
+            <a:r>
+              <a:rPr lang="fi-FI" dirty="0" err="1"/>
+              <a:t>that</a:t>
+            </a:r>
+            <a:r>
+              <a:rPr lang="fi-FI" dirty="0"/>
+              <a:t> is </a:t>
+            </a:r>
+            <a:r>
+              <a:rPr lang="fi-FI" dirty="0" err="1"/>
+              <a:t>better</a:t>
+            </a:r>
+            <a:r>
+              <a:rPr lang="fi-FI" dirty="0"/>
+              <a:t> </a:t>
+            </a:r>
+            <a:r>
+              <a:rPr lang="fi-FI" dirty="0" err="1"/>
+              <a:t>suited</a:t>
+            </a:r>
+            <a:r>
+              <a:rPr lang="fi-FI" dirty="0"/>
+              <a:t> for e-</a:t>
+            </a:r>
+            <a:r>
+              <a:rPr lang="fi-FI" dirty="0" err="1"/>
+              <a:t>textiles</a:t>
+            </a:r>
+            <a:r>
+              <a:rPr lang="fi-FI" dirty="0"/>
+              <a:t> design</a:t>
+            </a:r>
           </a:p>
         </p:txBody>
       </p:sp>
@@ -5936,7 +6116,7 @@
           <a:p>
             <a:r>
               <a:rPr lang="fi-FI" dirty="0"/>
-              <a:t>7 / 8</a:t>
+              <a:t>7 / 9</a:t>
             </a:r>
           </a:p>
         </p:txBody>
@@ -6170,14 +6350,19 @@
             <p:ph type="body" sz="quarter" idx="14"/>
           </p:nvPr>
         </p:nvSpPr>
-        <p:spPr/>
+        <p:spPr>
+          <a:xfrm>
+            <a:off x="7668344" y="6165304"/>
+            <a:ext cx="892456" cy="504056"/>
+          </a:xfrm>
+        </p:spPr>
         <p:txBody>
           <a:bodyPr/>
           <a:lstStyle/>
           <a:p>
             <a:r>
               <a:rPr lang="fi-FI" dirty="0"/>
-              <a:t>8 / 8</a:t>
+              <a:t>8 / 9</a:t>
             </a:r>
           </a:p>
         </p:txBody>
@@ -6413,7 +6598,7 @@
           <a:p>
             <a:r>
               <a:rPr lang="fi-FI" dirty="0"/>
-              <a:t>8 / 8</a:t>
+              <a:t>9 / 9</a:t>
             </a:r>
           </a:p>
         </p:txBody>

--- a/documents/Bachelors-Slides.pptx
+++ b/documents/Bachelors-Slides.pptx
@@ -254,7 +254,7 @@
             <a:fld id="{6157B46F-5EA3-4DD0-A62A-4A5D93D21E2D}" type="datetimeFigureOut">
               <a:rPr lang="fi-FI" smtClean="0"/>
               <a:pPr/>
-              <a:t>1.12.2019</a:t>
+              <a:t>15.12.2019</a:t>
             </a:fld>
             <a:endParaRPr lang="fi-FI"/>
           </a:p>
@@ -425,7 +425,7 @@
             <a:fld id="{37303B11-5EFE-4A3B-B7C0-4ADE873E5104}" type="datetimeFigureOut">
               <a:rPr lang="fi-FI" smtClean="0"/>
               <a:pPr/>
-              <a:t>1.12.2019</a:t>
+              <a:t>15.12.2019</a:t>
             </a:fld>
             <a:endParaRPr lang="fi-FI" dirty="0"/>
           </a:p>
@@ -5861,6 +5861,36 @@
           </a:p>
         </p:txBody>
       </p:sp>
+      <p:pic>
+        <p:nvPicPr>
+          <p:cNvPr id="4" name="Picture 3">
+            <a:extLst>
+              <a:ext uri="{FF2B5EF4-FFF2-40B4-BE49-F238E27FC236}">
+                <a16:creationId xmlns:a16="http://schemas.microsoft.com/office/drawing/2014/main" id="{B32647A0-ADFF-854A-A7D7-6BCA1FC6EC4D}"/>
+              </a:ext>
+            </a:extLst>
+          </p:cNvPr>
+          <p:cNvPicPr>
+            <a:picLocks noChangeAspect="1"/>
+          </p:cNvPicPr>
+          <p:nvPr/>
+        </p:nvPicPr>
+        <p:blipFill>
+          <a:blip r:embed="rId4"/>
+          <a:stretch>
+            <a:fillRect/>
+          </a:stretch>
+        </p:blipFill>
+        <p:spPr>
+          <a:xfrm>
+            <a:off x="0" y="0"/>
+            <a:ext cx="9144000" cy="6858000"/>
+          </a:xfrm>
+          <a:prstGeom prst="rect">
+            <a:avLst/>
+          </a:prstGeom>
+        </p:spPr>
+      </p:pic>
     </p:spTree>
     <p:extLst>
       <p:ext uri="{BB962C8B-B14F-4D97-AF65-F5344CB8AC3E}">
